--- a/ppt 16-9/1096.有一条路.pptx
+++ b/ppt 16-9/1096.有一条路.pptx
@@ -5,7 +5,7 @@
     <p:sldMasterId id="2147483648" r:id="rId1"/>
   </p:sldMasterIdLst>
   <p:sldIdLst>
-    <p:sldId id="559" r:id="rId2"/>
+    <p:sldId id="561" r:id="rId2"/>
   </p:sldIdLst>
   <p:sldSz cx="12192000" cy="6858000"/>
   <p:notesSz cx="6858000" cy="9144000"/>
@@ -129,7 +129,7 @@
           <p:cNvPr id="2" name="标题 1">
             <a:extLst>
               <a:ext uri="{FF2B5EF4-FFF2-40B4-BE49-F238E27FC236}">
-                <a16:creationId xmlns:a16="http://schemas.microsoft.com/office/drawing/2014/main" id="{FB1E3526-E3BA-FD1A-9481-26E650438403}"/>
+                <a16:creationId xmlns:a16="http://schemas.microsoft.com/office/drawing/2014/main" id="{3FE1918B-4936-BE28-CE21-245AD158C425}"/>
               </a:ext>
             </a:extLst>
           </p:cNvPr>
@@ -166,7 +166,7 @@
           <p:cNvPr id="3" name="副标题 2">
             <a:extLst>
               <a:ext uri="{FF2B5EF4-FFF2-40B4-BE49-F238E27FC236}">
-                <a16:creationId xmlns:a16="http://schemas.microsoft.com/office/drawing/2014/main" id="{5A697DC5-F68B-3EAD-6D67-8E0A7F7D39F6}"/>
+                <a16:creationId xmlns:a16="http://schemas.microsoft.com/office/drawing/2014/main" id="{642307B2-CCC5-51D5-6F7F-EB5AB2D84F5D}"/>
               </a:ext>
             </a:extLst>
           </p:cNvPr>
@@ -236,7 +236,7 @@
           <p:cNvPr id="4" name="日期占位符 3">
             <a:extLst>
               <a:ext uri="{FF2B5EF4-FFF2-40B4-BE49-F238E27FC236}">
-                <a16:creationId xmlns:a16="http://schemas.microsoft.com/office/drawing/2014/main" id="{300B22C9-6F52-69D0-2201-0FE6DFF6EA42}"/>
+                <a16:creationId xmlns:a16="http://schemas.microsoft.com/office/drawing/2014/main" id="{A900FD5A-5E7D-94F8-7CF1-BA8A3C6CA37B}"/>
               </a:ext>
             </a:extLst>
           </p:cNvPr>
@@ -252,7 +252,7 @@
           <a:bodyPr/>
           <a:lstStyle/>
           <a:p>
-            <a:fld id="{62BB6F46-A2E2-4FB2-BB5A-E511A3313039}" type="datetimeFigureOut">
+            <a:fld id="{7D487622-2623-47AB-861C-28252C841DA5}" type="datetimeFigureOut">
               <a:rPr lang="zh-CN" altLang="en-US" smtClean="0"/>
               <a:t>2024/3/10</a:t>
             </a:fld>
@@ -265,7 +265,7 @@
           <p:cNvPr id="5" name="页脚占位符 4">
             <a:extLst>
               <a:ext uri="{FF2B5EF4-FFF2-40B4-BE49-F238E27FC236}">
-                <a16:creationId xmlns:a16="http://schemas.microsoft.com/office/drawing/2014/main" id="{D273F31B-EA87-95B5-AFB5-F0552DB68D92}"/>
+                <a16:creationId xmlns:a16="http://schemas.microsoft.com/office/drawing/2014/main" id="{4ED04126-87F1-6953-8A05-33A6526396CA}"/>
               </a:ext>
             </a:extLst>
           </p:cNvPr>
@@ -290,7 +290,7 @@
           <p:cNvPr id="6" name="灯片编号占位符 5">
             <a:extLst>
               <a:ext uri="{FF2B5EF4-FFF2-40B4-BE49-F238E27FC236}">
-                <a16:creationId xmlns:a16="http://schemas.microsoft.com/office/drawing/2014/main" id="{F1285562-444C-9427-C333-55E4D0FC2EBB}"/>
+                <a16:creationId xmlns:a16="http://schemas.microsoft.com/office/drawing/2014/main" id="{E9BAFBEE-5776-AFB4-74E3-854D28241903}"/>
               </a:ext>
             </a:extLst>
           </p:cNvPr>
@@ -306,7 +306,7 @@
           <a:bodyPr/>
           <a:lstStyle/>
           <a:p>
-            <a:fld id="{8F88DA77-6357-47AB-8181-9E5346EC6D0A}" type="slidenum">
+            <a:fld id="{07E352FB-76AA-442B-8B3F-5C57BB1F3A84}" type="slidenum">
               <a:rPr lang="zh-CN" altLang="en-US" smtClean="0"/>
               <a:t>‹#›</a:t>
             </a:fld>
@@ -317,7 +317,7 @@
     </p:spTree>
     <p:extLst>
       <p:ext uri="{BB962C8B-B14F-4D97-AF65-F5344CB8AC3E}">
-        <p14:creationId xmlns:p14="http://schemas.microsoft.com/office/powerpoint/2010/main" val="280236725"/>
+        <p14:creationId xmlns:p14="http://schemas.microsoft.com/office/powerpoint/2010/main" val="40572480"/>
       </p:ext>
     </p:extLst>
   </p:cSld>
@@ -349,7 +349,7 @@
           <p:cNvPr id="2" name="标题 1">
             <a:extLst>
               <a:ext uri="{FF2B5EF4-FFF2-40B4-BE49-F238E27FC236}">
-                <a16:creationId xmlns:a16="http://schemas.microsoft.com/office/drawing/2014/main" id="{A2A8F184-53AA-2723-FCC4-D19158C0EC78}"/>
+                <a16:creationId xmlns:a16="http://schemas.microsoft.com/office/drawing/2014/main" id="{73E9BF0E-D911-FC9C-043F-38A7A7F3B7E6}"/>
               </a:ext>
             </a:extLst>
           </p:cNvPr>
@@ -377,7 +377,7 @@
           <p:cNvPr id="3" name="竖排文字占位符 2">
             <a:extLst>
               <a:ext uri="{FF2B5EF4-FFF2-40B4-BE49-F238E27FC236}">
-                <a16:creationId xmlns:a16="http://schemas.microsoft.com/office/drawing/2014/main" id="{764CFBE4-01D3-772A-518E-689A2DF7C059}"/>
+                <a16:creationId xmlns:a16="http://schemas.microsoft.com/office/drawing/2014/main" id="{67522756-E53C-5501-9326-0C3AE8ACAF5F}"/>
               </a:ext>
             </a:extLst>
           </p:cNvPr>
@@ -434,7 +434,7 @@
           <p:cNvPr id="4" name="日期占位符 3">
             <a:extLst>
               <a:ext uri="{FF2B5EF4-FFF2-40B4-BE49-F238E27FC236}">
-                <a16:creationId xmlns:a16="http://schemas.microsoft.com/office/drawing/2014/main" id="{C215E6DB-1779-0F2D-7801-15A84797CF1C}"/>
+                <a16:creationId xmlns:a16="http://schemas.microsoft.com/office/drawing/2014/main" id="{C3250D6B-2E5C-AB44-9161-468964F70F04}"/>
               </a:ext>
             </a:extLst>
           </p:cNvPr>
@@ -450,7 +450,7 @@
           <a:bodyPr/>
           <a:lstStyle/>
           <a:p>
-            <a:fld id="{62BB6F46-A2E2-4FB2-BB5A-E511A3313039}" type="datetimeFigureOut">
+            <a:fld id="{7D487622-2623-47AB-861C-28252C841DA5}" type="datetimeFigureOut">
               <a:rPr lang="zh-CN" altLang="en-US" smtClean="0"/>
               <a:t>2024/3/10</a:t>
             </a:fld>
@@ -463,7 +463,7 @@
           <p:cNvPr id="5" name="页脚占位符 4">
             <a:extLst>
               <a:ext uri="{FF2B5EF4-FFF2-40B4-BE49-F238E27FC236}">
-                <a16:creationId xmlns:a16="http://schemas.microsoft.com/office/drawing/2014/main" id="{0190C366-5501-2928-B5A5-4E68697B750F}"/>
+                <a16:creationId xmlns:a16="http://schemas.microsoft.com/office/drawing/2014/main" id="{3BE5A666-08C9-4AC9-35FB-8025B5E5BD28}"/>
               </a:ext>
             </a:extLst>
           </p:cNvPr>
@@ -488,7 +488,7 @@
           <p:cNvPr id="6" name="灯片编号占位符 5">
             <a:extLst>
               <a:ext uri="{FF2B5EF4-FFF2-40B4-BE49-F238E27FC236}">
-                <a16:creationId xmlns:a16="http://schemas.microsoft.com/office/drawing/2014/main" id="{A56AE23E-F820-8631-1B35-D1005935B6E4}"/>
+                <a16:creationId xmlns:a16="http://schemas.microsoft.com/office/drawing/2014/main" id="{89FE5E88-F246-AB65-F76B-31509569F55B}"/>
               </a:ext>
             </a:extLst>
           </p:cNvPr>
@@ -504,7 +504,7 @@
           <a:bodyPr/>
           <a:lstStyle/>
           <a:p>
-            <a:fld id="{8F88DA77-6357-47AB-8181-9E5346EC6D0A}" type="slidenum">
+            <a:fld id="{07E352FB-76AA-442B-8B3F-5C57BB1F3A84}" type="slidenum">
               <a:rPr lang="zh-CN" altLang="en-US" smtClean="0"/>
               <a:t>‹#›</a:t>
             </a:fld>
@@ -515,7 +515,7 @@
     </p:spTree>
     <p:extLst>
       <p:ext uri="{BB962C8B-B14F-4D97-AF65-F5344CB8AC3E}">
-        <p14:creationId xmlns:p14="http://schemas.microsoft.com/office/powerpoint/2010/main" val="2338128751"/>
+        <p14:creationId xmlns:p14="http://schemas.microsoft.com/office/powerpoint/2010/main" val="1889141101"/>
       </p:ext>
     </p:extLst>
   </p:cSld>
@@ -547,7 +547,7 @@
           <p:cNvPr id="2" name="竖排标题 1">
             <a:extLst>
               <a:ext uri="{FF2B5EF4-FFF2-40B4-BE49-F238E27FC236}">
-                <a16:creationId xmlns:a16="http://schemas.microsoft.com/office/drawing/2014/main" id="{392628B1-C7E0-C124-50F0-F8A6D47855DA}"/>
+                <a16:creationId xmlns:a16="http://schemas.microsoft.com/office/drawing/2014/main" id="{067959A5-8CE6-D75A-3971-E35AC7A9AB67}"/>
               </a:ext>
             </a:extLst>
           </p:cNvPr>
@@ -580,7 +580,7 @@
           <p:cNvPr id="3" name="竖排文字占位符 2">
             <a:extLst>
               <a:ext uri="{FF2B5EF4-FFF2-40B4-BE49-F238E27FC236}">
-                <a16:creationId xmlns:a16="http://schemas.microsoft.com/office/drawing/2014/main" id="{B442643F-C74C-7F28-F954-EBB0E978A543}"/>
+                <a16:creationId xmlns:a16="http://schemas.microsoft.com/office/drawing/2014/main" id="{614BA7EE-D48B-ED80-03CF-5929F293472C}"/>
               </a:ext>
             </a:extLst>
           </p:cNvPr>
@@ -642,7 +642,7 @@
           <p:cNvPr id="4" name="日期占位符 3">
             <a:extLst>
               <a:ext uri="{FF2B5EF4-FFF2-40B4-BE49-F238E27FC236}">
-                <a16:creationId xmlns:a16="http://schemas.microsoft.com/office/drawing/2014/main" id="{385B54E5-CB36-FC81-F092-8A80E25EF7D4}"/>
+                <a16:creationId xmlns:a16="http://schemas.microsoft.com/office/drawing/2014/main" id="{3F18A4B3-3D3B-C581-DF65-CFCD7FEAB2FD}"/>
               </a:ext>
             </a:extLst>
           </p:cNvPr>
@@ -658,7 +658,7 @@
           <a:bodyPr/>
           <a:lstStyle/>
           <a:p>
-            <a:fld id="{62BB6F46-A2E2-4FB2-BB5A-E511A3313039}" type="datetimeFigureOut">
+            <a:fld id="{7D487622-2623-47AB-861C-28252C841DA5}" type="datetimeFigureOut">
               <a:rPr lang="zh-CN" altLang="en-US" smtClean="0"/>
               <a:t>2024/3/10</a:t>
             </a:fld>
@@ -671,7 +671,7 @@
           <p:cNvPr id="5" name="页脚占位符 4">
             <a:extLst>
               <a:ext uri="{FF2B5EF4-FFF2-40B4-BE49-F238E27FC236}">
-                <a16:creationId xmlns:a16="http://schemas.microsoft.com/office/drawing/2014/main" id="{397B20AD-2BB4-85A1-0785-C181D22841B0}"/>
+                <a16:creationId xmlns:a16="http://schemas.microsoft.com/office/drawing/2014/main" id="{F5784670-83AC-E5C8-9691-AB58537342DF}"/>
               </a:ext>
             </a:extLst>
           </p:cNvPr>
@@ -696,7 +696,7 @@
           <p:cNvPr id="6" name="灯片编号占位符 5">
             <a:extLst>
               <a:ext uri="{FF2B5EF4-FFF2-40B4-BE49-F238E27FC236}">
-                <a16:creationId xmlns:a16="http://schemas.microsoft.com/office/drawing/2014/main" id="{A5DA4567-0EE7-D5AF-750B-CDF8EDC9BAA7}"/>
+                <a16:creationId xmlns:a16="http://schemas.microsoft.com/office/drawing/2014/main" id="{864300FE-B6AC-066B-74D5-663E53A40655}"/>
               </a:ext>
             </a:extLst>
           </p:cNvPr>
@@ -712,7 +712,7 @@
           <a:bodyPr/>
           <a:lstStyle/>
           <a:p>
-            <a:fld id="{8F88DA77-6357-47AB-8181-9E5346EC6D0A}" type="slidenum">
+            <a:fld id="{07E352FB-76AA-442B-8B3F-5C57BB1F3A84}" type="slidenum">
               <a:rPr lang="zh-CN" altLang="en-US" smtClean="0"/>
               <a:t>‹#›</a:t>
             </a:fld>
@@ -723,7 +723,7 @@
     </p:spTree>
     <p:extLst>
       <p:ext uri="{BB962C8B-B14F-4D97-AF65-F5344CB8AC3E}">
-        <p14:creationId xmlns:p14="http://schemas.microsoft.com/office/powerpoint/2010/main" val="912858399"/>
+        <p14:creationId xmlns:p14="http://schemas.microsoft.com/office/powerpoint/2010/main" val="572515956"/>
       </p:ext>
     </p:extLst>
   </p:cSld>
@@ -755,7 +755,7 @@
           <p:cNvPr id="2" name="标题 1">
             <a:extLst>
               <a:ext uri="{FF2B5EF4-FFF2-40B4-BE49-F238E27FC236}">
-                <a16:creationId xmlns:a16="http://schemas.microsoft.com/office/drawing/2014/main" id="{1CA5BA0E-0F73-E928-8A9C-3FA2A7124711}"/>
+                <a16:creationId xmlns:a16="http://schemas.microsoft.com/office/drawing/2014/main" id="{A15E2704-0B92-B321-8C31-2010F1C6C442}"/>
               </a:ext>
             </a:extLst>
           </p:cNvPr>
@@ -783,7 +783,7 @@
           <p:cNvPr id="3" name="内容占位符 2">
             <a:extLst>
               <a:ext uri="{FF2B5EF4-FFF2-40B4-BE49-F238E27FC236}">
-                <a16:creationId xmlns:a16="http://schemas.microsoft.com/office/drawing/2014/main" id="{1866B3E8-5A8F-2659-5095-0F7B3E8BC974}"/>
+                <a16:creationId xmlns:a16="http://schemas.microsoft.com/office/drawing/2014/main" id="{CCBB4EE6-1296-DE22-C0AF-A54530217927}"/>
               </a:ext>
             </a:extLst>
           </p:cNvPr>
@@ -840,7 +840,7 @@
           <p:cNvPr id="4" name="日期占位符 3">
             <a:extLst>
               <a:ext uri="{FF2B5EF4-FFF2-40B4-BE49-F238E27FC236}">
-                <a16:creationId xmlns:a16="http://schemas.microsoft.com/office/drawing/2014/main" id="{ECC85E61-41E0-9CDC-E9FA-6B61051AB52A}"/>
+                <a16:creationId xmlns:a16="http://schemas.microsoft.com/office/drawing/2014/main" id="{2CDBEFAC-DFE5-EC0D-EF4E-84DFB768002A}"/>
               </a:ext>
             </a:extLst>
           </p:cNvPr>
@@ -856,7 +856,7 @@
           <a:bodyPr/>
           <a:lstStyle/>
           <a:p>
-            <a:fld id="{62BB6F46-A2E2-4FB2-BB5A-E511A3313039}" type="datetimeFigureOut">
+            <a:fld id="{7D487622-2623-47AB-861C-28252C841DA5}" type="datetimeFigureOut">
               <a:rPr lang="zh-CN" altLang="en-US" smtClean="0"/>
               <a:t>2024/3/10</a:t>
             </a:fld>
@@ -869,7 +869,7 @@
           <p:cNvPr id="5" name="页脚占位符 4">
             <a:extLst>
               <a:ext uri="{FF2B5EF4-FFF2-40B4-BE49-F238E27FC236}">
-                <a16:creationId xmlns:a16="http://schemas.microsoft.com/office/drawing/2014/main" id="{9115BEF3-AB2D-5CAD-5B95-9F11EBE924FC}"/>
+                <a16:creationId xmlns:a16="http://schemas.microsoft.com/office/drawing/2014/main" id="{5EA068AE-BEAA-7619-702C-C07129CC8F02}"/>
               </a:ext>
             </a:extLst>
           </p:cNvPr>
@@ -894,7 +894,7 @@
           <p:cNvPr id="6" name="灯片编号占位符 5">
             <a:extLst>
               <a:ext uri="{FF2B5EF4-FFF2-40B4-BE49-F238E27FC236}">
-                <a16:creationId xmlns:a16="http://schemas.microsoft.com/office/drawing/2014/main" id="{E774A3FB-F527-A303-B28B-97914657A786}"/>
+                <a16:creationId xmlns:a16="http://schemas.microsoft.com/office/drawing/2014/main" id="{31B573F4-9FF0-1FA6-D6CD-369FF543E5DB}"/>
               </a:ext>
             </a:extLst>
           </p:cNvPr>
@@ -910,7 +910,7 @@
           <a:bodyPr/>
           <a:lstStyle/>
           <a:p>
-            <a:fld id="{8F88DA77-6357-47AB-8181-9E5346EC6D0A}" type="slidenum">
+            <a:fld id="{07E352FB-76AA-442B-8B3F-5C57BB1F3A84}" type="slidenum">
               <a:rPr lang="zh-CN" altLang="en-US" smtClean="0"/>
               <a:t>‹#›</a:t>
             </a:fld>
@@ -921,7 +921,7 @@
     </p:spTree>
     <p:extLst>
       <p:ext uri="{BB962C8B-B14F-4D97-AF65-F5344CB8AC3E}">
-        <p14:creationId xmlns:p14="http://schemas.microsoft.com/office/powerpoint/2010/main" val="1547345121"/>
+        <p14:creationId xmlns:p14="http://schemas.microsoft.com/office/powerpoint/2010/main" val="3278533727"/>
       </p:ext>
     </p:extLst>
   </p:cSld>
@@ -953,7 +953,7 @@
           <p:cNvPr id="2" name="标题 1">
             <a:extLst>
               <a:ext uri="{FF2B5EF4-FFF2-40B4-BE49-F238E27FC236}">
-                <a16:creationId xmlns:a16="http://schemas.microsoft.com/office/drawing/2014/main" id="{619E614D-41D7-8961-441B-62C927ECA6EE}"/>
+                <a16:creationId xmlns:a16="http://schemas.microsoft.com/office/drawing/2014/main" id="{215A544F-99E9-F11C-8845-D69AD56FB86E}"/>
               </a:ext>
             </a:extLst>
           </p:cNvPr>
@@ -990,7 +990,7 @@
           <p:cNvPr id="3" name="文本占位符 2">
             <a:extLst>
               <a:ext uri="{FF2B5EF4-FFF2-40B4-BE49-F238E27FC236}">
-                <a16:creationId xmlns:a16="http://schemas.microsoft.com/office/drawing/2014/main" id="{5E70A689-CA7B-919A-6688-7330B29A904D}"/>
+                <a16:creationId xmlns:a16="http://schemas.microsoft.com/office/drawing/2014/main" id="{2E8BB3AC-C566-959B-8DDC-A5F10DA19D04}"/>
               </a:ext>
             </a:extLst>
           </p:cNvPr>
@@ -1115,7 +1115,7 @@
           <p:cNvPr id="4" name="日期占位符 3">
             <a:extLst>
               <a:ext uri="{FF2B5EF4-FFF2-40B4-BE49-F238E27FC236}">
-                <a16:creationId xmlns:a16="http://schemas.microsoft.com/office/drawing/2014/main" id="{B6035B97-E24E-7D88-65F8-14FFF66568A6}"/>
+                <a16:creationId xmlns:a16="http://schemas.microsoft.com/office/drawing/2014/main" id="{555FF27E-218B-9949-1802-A9C7AEBB8BD0}"/>
               </a:ext>
             </a:extLst>
           </p:cNvPr>
@@ -1131,7 +1131,7 @@
           <a:bodyPr/>
           <a:lstStyle/>
           <a:p>
-            <a:fld id="{62BB6F46-A2E2-4FB2-BB5A-E511A3313039}" type="datetimeFigureOut">
+            <a:fld id="{7D487622-2623-47AB-861C-28252C841DA5}" type="datetimeFigureOut">
               <a:rPr lang="zh-CN" altLang="en-US" smtClean="0"/>
               <a:t>2024/3/10</a:t>
             </a:fld>
@@ -1144,7 +1144,7 @@
           <p:cNvPr id="5" name="页脚占位符 4">
             <a:extLst>
               <a:ext uri="{FF2B5EF4-FFF2-40B4-BE49-F238E27FC236}">
-                <a16:creationId xmlns:a16="http://schemas.microsoft.com/office/drawing/2014/main" id="{5BF6C270-0D6C-8330-DC0D-1864DDD3B9CF}"/>
+                <a16:creationId xmlns:a16="http://schemas.microsoft.com/office/drawing/2014/main" id="{8B96C000-DC62-7CA2-74B6-014BFE0AC1DB}"/>
               </a:ext>
             </a:extLst>
           </p:cNvPr>
@@ -1169,7 +1169,7 @@
           <p:cNvPr id="6" name="灯片编号占位符 5">
             <a:extLst>
               <a:ext uri="{FF2B5EF4-FFF2-40B4-BE49-F238E27FC236}">
-                <a16:creationId xmlns:a16="http://schemas.microsoft.com/office/drawing/2014/main" id="{7E07BDC9-42D7-7A0D-853C-78D24A61EA22}"/>
+                <a16:creationId xmlns:a16="http://schemas.microsoft.com/office/drawing/2014/main" id="{CE52FB97-BE4B-B4F1-A7A5-36D98EF3BC9D}"/>
               </a:ext>
             </a:extLst>
           </p:cNvPr>
@@ -1185,7 +1185,7 @@
           <a:bodyPr/>
           <a:lstStyle/>
           <a:p>
-            <a:fld id="{8F88DA77-6357-47AB-8181-9E5346EC6D0A}" type="slidenum">
+            <a:fld id="{07E352FB-76AA-442B-8B3F-5C57BB1F3A84}" type="slidenum">
               <a:rPr lang="zh-CN" altLang="en-US" smtClean="0"/>
               <a:t>‹#›</a:t>
             </a:fld>
@@ -1196,7 +1196,7 @@
     </p:spTree>
     <p:extLst>
       <p:ext uri="{BB962C8B-B14F-4D97-AF65-F5344CB8AC3E}">
-        <p14:creationId xmlns:p14="http://schemas.microsoft.com/office/powerpoint/2010/main" val="1702025997"/>
+        <p14:creationId xmlns:p14="http://schemas.microsoft.com/office/powerpoint/2010/main" val="2811051816"/>
       </p:ext>
     </p:extLst>
   </p:cSld>
@@ -1228,7 +1228,7 @@
           <p:cNvPr id="2" name="标题 1">
             <a:extLst>
               <a:ext uri="{FF2B5EF4-FFF2-40B4-BE49-F238E27FC236}">
-                <a16:creationId xmlns:a16="http://schemas.microsoft.com/office/drawing/2014/main" id="{BC508708-44F6-4723-CC24-3D6E2C05D912}"/>
+                <a16:creationId xmlns:a16="http://schemas.microsoft.com/office/drawing/2014/main" id="{798BD583-5527-D28A-11D3-62575791E480}"/>
               </a:ext>
             </a:extLst>
           </p:cNvPr>
@@ -1256,7 +1256,7 @@
           <p:cNvPr id="3" name="内容占位符 2">
             <a:extLst>
               <a:ext uri="{FF2B5EF4-FFF2-40B4-BE49-F238E27FC236}">
-                <a16:creationId xmlns:a16="http://schemas.microsoft.com/office/drawing/2014/main" id="{B55FF75A-EF85-0A06-DEC8-D67B64B83D32}"/>
+                <a16:creationId xmlns:a16="http://schemas.microsoft.com/office/drawing/2014/main" id="{5F4DE0BE-80F7-7F7F-4901-6798FDDBB778}"/>
               </a:ext>
             </a:extLst>
           </p:cNvPr>
@@ -1318,7 +1318,7 @@
           <p:cNvPr id="4" name="内容占位符 3">
             <a:extLst>
               <a:ext uri="{FF2B5EF4-FFF2-40B4-BE49-F238E27FC236}">
-                <a16:creationId xmlns:a16="http://schemas.microsoft.com/office/drawing/2014/main" id="{52AAD44F-6047-D286-608A-422136308200}"/>
+                <a16:creationId xmlns:a16="http://schemas.microsoft.com/office/drawing/2014/main" id="{5F0C5DAC-8145-CA80-DA31-8EFAAAE0777D}"/>
               </a:ext>
             </a:extLst>
           </p:cNvPr>
@@ -1380,7 +1380,7 @@
           <p:cNvPr id="5" name="日期占位符 4">
             <a:extLst>
               <a:ext uri="{FF2B5EF4-FFF2-40B4-BE49-F238E27FC236}">
-                <a16:creationId xmlns:a16="http://schemas.microsoft.com/office/drawing/2014/main" id="{16049287-4F0A-3DD5-EE29-9E6B861388C8}"/>
+                <a16:creationId xmlns:a16="http://schemas.microsoft.com/office/drawing/2014/main" id="{11F618F5-D110-4A1F-F0D8-97E2D0A6C8AE}"/>
               </a:ext>
             </a:extLst>
           </p:cNvPr>
@@ -1396,7 +1396,7 @@
           <a:bodyPr/>
           <a:lstStyle/>
           <a:p>
-            <a:fld id="{62BB6F46-A2E2-4FB2-BB5A-E511A3313039}" type="datetimeFigureOut">
+            <a:fld id="{7D487622-2623-47AB-861C-28252C841DA5}" type="datetimeFigureOut">
               <a:rPr lang="zh-CN" altLang="en-US" smtClean="0"/>
               <a:t>2024/3/10</a:t>
             </a:fld>
@@ -1409,7 +1409,7 @@
           <p:cNvPr id="6" name="页脚占位符 5">
             <a:extLst>
               <a:ext uri="{FF2B5EF4-FFF2-40B4-BE49-F238E27FC236}">
-                <a16:creationId xmlns:a16="http://schemas.microsoft.com/office/drawing/2014/main" id="{7BFBD6C1-C83E-EA90-7C7D-61444A820EBB}"/>
+                <a16:creationId xmlns:a16="http://schemas.microsoft.com/office/drawing/2014/main" id="{7544E7BA-1674-46D5-1CA3-5F65A3426EA8}"/>
               </a:ext>
             </a:extLst>
           </p:cNvPr>
@@ -1434,7 +1434,7 @@
           <p:cNvPr id="7" name="灯片编号占位符 6">
             <a:extLst>
               <a:ext uri="{FF2B5EF4-FFF2-40B4-BE49-F238E27FC236}">
-                <a16:creationId xmlns:a16="http://schemas.microsoft.com/office/drawing/2014/main" id="{318F6227-3E63-D549-34F8-69E081D087FF}"/>
+                <a16:creationId xmlns:a16="http://schemas.microsoft.com/office/drawing/2014/main" id="{2B421956-F708-4CDD-05CC-C03F088BE89D}"/>
               </a:ext>
             </a:extLst>
           </p:cNvPr>
@@ -1450,7 +1450,7 @@
           <a:bodyPr/>
           <a:lstStyle/>
           <a:p>
-            <a:fld id="{8F88DA77-6357-47AB-8181-9E5346EC6D0A}" type="slidenum">
+            <a:fld id="{07E352FB-76AA-442B-8B3F-5C57BB1F3A84}" type="slidenum">
               <a:rPr lang="zh-CN" altLang="en-US" smtClean="0"/>
               <a:t>‹#›</a:t>
             </a:fld>
@@ -1461,7 +1461,7 @@
     </p:spTree>
     <p:extLst>
       <p:ext uri="{BB962C8B-B14F-4D97-AF65-F5344CB8AC3E}">
-        <p14:creationId xmlns:p14="http://schemas.microsoft.com/office/powerpoint/2010/main" val="3796596966"/>
+        <p14:creationId xmlns:p14="http://schemas.microsoft.com/office/powerpoint/2010/main" val="2535687866"/>
       </p:ext>
     </p:extLst>
   </p:cSld>
@@ -1493,7 +1493,7 @@
           <p:cNvPr id="2" name="标题 1">
             <a:extLst>
               <a:ext uri="{FF2B5EF4-FFF2-40B4-BE49-F238E27FC236}">
-                <a16:creationId xmlns:a16="http://schemas.microsoft.com/office/drawing/2014/main" id="{EAA5E0C1-D805-B528-6031-68147EBA22F8}"/>
+                <a16:creationId xmlns:a16="http://schemas.microsoft.com/office/drawing/2014/main" id="{51BB61D3-3818-468C-75C0-5E3A6A0DD00F}"/>
               </a:ext>
             </a:extLst>
           </p:cNvPr>
@@ -1526,7 +1526,7 @@
           <p:cNvPr id="3" name="文本占位符 2">
             <a:extLst>
               <a:ext uri="{FF2B5EF4-FFF2-40B4-BE49-F238E27FC236}">
-                <a16:creationId xmlns:a16="http://schemas.microsoft.com/office/drawing/2014/main" id="{BF993A26-016F-D946-A5D9-1E41136A335A}"/>
+                <a16:creationId xmlns:a16="http://schemas.microsoft.com/office/drawing/2014/main" id="{6782E4CF-DE23-3169-DC16-6434979820F1}"/>
               </a:ext>
             </a:extLst>
           </p:cNvPr>
@@ -1597,7 +1597,7 @@
           <p:cNvPr id="4" name="内容占位符 3">
             <a:extLst>
               <a:ext uri="{FF2B5EF4-FFF2-40B4-BE49-F238E27FC236}">
-                <a16:creationId xmlns:a16="http://schemas.microsoft.com/office/drawing/2014/main" id="{A6294D23-DA6F-AD48-B1A1-853D46616930}"/>
+                <a16:creationId xmlns:a16="http://schemas.microsoft.com/office/drawing/2014/main" id="{21C11379-12A0-CA4C-EB51-B1E4DF8EDB40}"/>
               </a:ext>
             </a:extLst>
           </p:cNvPr>
@@ -1659,7 +1659,7 @@
           <p:cNvPr id="5" name="文本占位符 4">
             <a:extLst>
               <a:ext uri="{FF2B5EF4-FFF2-40B4-BE49-F238E27FC236}">
-                <a16:creationId xmlns:a16="http://schemas.microsoft.com/office/drawing/2014/main" id="{CB3D336B-87B7-A010-EAA6-19B996CADCAB}"/>
+                <a16:creationId xmlns:a16="http://schemas.microsoft.com/office/drawing/2014/main" id="{0063C87D-BC0D-D4F8-7EAC-8AC4E33DB0DC}"/>
               </a:ext>
             </a:extLst>
           </p:cNvPr>
@@ -1730,7 +1730,7 @@
           <p:cNvPr id="6" name="内容占位符 5">
             <a:extLst>
               <a:ext uri="{FF2B5EF4-FFF2-40B4-BE49-F238E27FC236}">
-                <a16:creationId xmlns:a16="http://schemas.microsoft.com/office/drawing/2014/main" id="{C1E95D46-B632-4A97-0346-4F781AC9584E}"/>
+                <a16:creationId xmlns:a16="http://schemas.microsoft.com/office/drawing/2014/main" id="{2EBCA41C-68D2-B459-D409-3F5945D00AD1}"/>
               </a:ext>
             </a:extLst>
           </p:cNvPr>
@@ -1792,7 +1792,7 @@
           <p:cNvPr id="7" name="日期占位符 6">
             <a:extLst>
               <a:ext uri="{FF2B5EF4-FFF2-40B4-BE49-F238E27FC236}">
-                <a16:creationId xmlns:a16="http://schemas.microsoft.com/office/drawing/2014/main" id="{F433238A-11B1-899E-1987-1DDAD728B5DD}"/>
+                <a16:creationId xmlns:a16="http://schemas.microsoft.com/office/drawing/2014/main" id="{453FB3F9-F52A-447B-BD0E-A6910F2D0C98}"/>
               </a:ext>
             </a:extLst>
           </p:cNvPr>
@@ -1808,7 +1808,7 @@
           <a:bodyPr/>
           <a:lstStyle/>
           <a:p>
-            <a:fld id="{62BB6F46-A2E2-4FB2-BB5A-E511A3313039}" type="datetimeFigureOut">
+            <a:fld id="{7D487622-2623-47AB-861C-28252C841DA5}" type="datetimeFigureOut">
               <a:rPr lang="zh-CN" altLang="en-US" smtClean="0"/>
               <a:t>2024/3/10</a:t>
             </a:fld>
@@ -1821,7 +1821,7 @@
           <p:cNvPr id="8" name="页脚占位符 7">
             <a:extLst>
               <a:ext uri="{FF2B5EF4-FFF2-40B4-BE49-F238E27FC236}">
-                <a16:creationId xmlns:a16="http://schemas.microsoft.com/office/drawing/2014/main" id="{5F343EC8-C16A-C0DD-5B99-2A4DB7E37BA7}"/>
+                <a16:creationId xmlns:a16="http://schemas.microsoft.com/office/drawing/2014/main" id="{AF88721A-143E-5FA8-6533-2C3D75A8BCBA}"/>
               </a:ext>
             </a:extLst>
           </p:cNvPr>
@@ -1846,7 +1846,7 @@
           <p:cNvPr id="9" name="灯片编号占位符 8">
             <a:extLst>
               <a:ext uri="{FF2B5EF4-FFF2-40B4-BE49-F238E27FC236}">
-                <a16:creationId xmlns:a16="http://schemas.microsoft.com/office/drawing/2014/main" id="{BA79B181-75EF-480B-4DB7-39ADE86BE486}"/>
+                <a16:creationId xmlns:a16="http://schemas.microsoft.com/office/drawing/2014/main" id="{4894159A-286F-15B3-1579-6D906FE9FF4A}"/>
               </a:ext>
             </a:extLst>
           </p:cNvPr>
@@ -1862,7 +1862,7 @@
           <a:bodyPr/>
           <a:lstStyle/>
           <a:p>
-            <a:fld id="{8F88DA77-6357-47AB-8181-9E5346EC6D0A}" type="slidenum">
+            <a:fld id="{07E352FB-76AA-442B-8B3F-5C57BB1F3A84}" type="slidenum">
               <a:rPr lang="zh-CN" altLang="en-US" smtClean="0"/>
               <a:t>‹#›</a:t>
             </a:fld>
@@ -1873,7 +1873,7 @@
     </p:spTree>
     <p:extLst>
       <p:ext uri="{BB962C8B-B14F-4D97-AF65-F5344CB8AC3E}">
-        <p14:creationId xmlns:p14="http://schemas.microsoft.com/office/powerpoint/2010/main" val="1703405402"/>
+        <p14:creationId xmlns:p14="http://schemas.microsoft.com/office/powerpoint/2010/main" val="2536724267"/>
       </p:ext>
     </p:extLst>
   </p:cSld>
@@ -1905,7 +1905,7 @@
           <p:cNvPr id="2" name="标题 1">
             <a:extLst>
               <a:ext uri="{FF2B5EF4-FFF2-40B4-BE49-F238E27FC236}">
-                <a16:creationId xmlns:a16="http://schemas.microsoft.com/office/drawing/2014/main" id="{B694ADFE-705F-DDA2-04F3-ADCC5AF2C434}"/>
+                <a16:creationId xmlns:a16="http://schemas.microsoft.com/office/drawing/2014/main" id="{4E05425C-EF76-60CE-64FD-0E2CA56F26A7}"/>
               </a:ext>
             </a:extLst>
           </p:cNvPr>
@@ -1933,7 +1933,7 @@
           <p:cNvPr id="3" name="日期占位符 2">
             <a:extLst>
               <a:ext uri="{FF2B5EF4-FFF2-40B4-BE49-F238E27FC236}">
-                <a16:creationId xmlns:a16="http://schemas.microsoft.com/office/drawing/2014/main" id="{8934DDD4-B8E0-45F5-DFB2-7777A69D047A}"/>
+                <a16:creationId xmlns:a16="http://schemas.microsoft.com/office/drawing/2014/main" id="{CC0AB92C-705D-5DAE-E9F7-D673977583D1}"/>
               </a:ext>
             </a:extLst>
           </p:cNvPr>
@@ -1949,7 +1949,7 @@
           <a:bodyPr/>
           <a:lstStyle/>
           <a:p>
-            <a:fld id="{62BB6F46-A2E2-4FB2-BB5A-E511A3313039}" type="datetimeFigureOut">
+            <a:fld id="{7D487622-2623-47AB-861C-28252C841DA5}" type="datetimeFigureOut">
               <a:rPr lang="zh-CN" altLang="en-US" smtClean="0"/>
               <a:t>2024/3/10</a:t>
             </a:fld>
@@ -1962,7 +1962,7 @@
           <p:cNvPr id="4" name="页脚占位符 3">
             <a:extLst>
               <a:ext uri="{FF2B5EF4-FFF2-40B4-BE49-F238E27FC236}">
-                <a16:creationId xmlns:a16="http://schemas.microsoft.com/office/drawing/2014/main" id="{7DE612D5-1FE7-72D2-D5D0-D095D3F95EC4}"/>
+                <a16:creationId xmlns:a16="http://schemas.microsoft.com/office/drawing/2014/main" id="{99068DF3-8EBA-5B0D-FDDA-D38C7E603684}"/>
               </a:ext>
             </a:extLst>
           </p:cNvPr>
@@ -1987,7 +1987,7 @@
           <p:cNvPr id="5" name="灯片编号占位符 4">
             <a:extLst>
               <a:ext uri="{FF2B5EF4-FFF2-40B4-BE49-F238E27FC236}">
-                <a16:creationId xmlns:a16="http://schemas.microsoft.com/office/drawing/2014/main" id="{13380D9D-D308-1440-A56E-4C135F60954D}"/>
+                <a16:creationId xmlns:a16="http://schemas.microsoft.com/office/drawing/2014/main" id="{9C324C4C-3F06-5784-2539-F346EE387638}"/>
               </a:ext>
             </a:extLst>
           </p:cNvPr>
@@ -2003,7 +2003,7 @@
           <a:bodyPr/>
           <a:lstStyle/>
           <a:p>
-            <a:fld id="{8F88DA77-6357-47AB-8181-9E5346EC6D0A}" type="slidenum">
+            <a:fld id="{07E352FB-76AA-442B-8B3F-5C57BB1F3A84}" type="slidenum">
               <a:rPr lang="zh-CN" altLang="en-US" smtClean="0"/>
               <a:t>‹#›</a:t>
             </a:fld>
@@ -2014,7 +2014,7 @@
     </p:spTree>
     <p:extLst>
       <p:ext uri="{BB962C8B-B14F-4D97-AF65-F5344CB8AC3E}">
-        <p14:creationId xmlns:p14="http://schemas.microsoft.com/office/powerpoint/2010/main" val="1301835776"/>
+        <p14:creationId xmlns:p14="http://schemas.microsoft.com/office/powerpoint/2010/main" val="2717075636"/>
       </p:ext>
     </p:extLst>
   </p:cSld>
@@ -2046,7 +2046,7 @@
           <p:cNvPr id="2" name="日期占位符 1">
             <a:extLst>
               <a:ext uri="{FF2B5EF4-FFF2-40B4-BE49-F238E27FC236}">
-                <a16:creationId xmlns:a16="http://schemas.microsoft.com/office/drawing/2014/main" id="{EE117E77-4DA1-6B57-955A-69EF9EC617FD}"/>
+                <a16:creationId xmlns:a16="http://schemas.microsoft.com/office/drawing/2014/main" id="{A320FC8C-2092-5DC2-7260-6D2705CB3628}"/>
               </a:ext>
             </a:extLst>
           </p:cNvPr>
@@ -2062,7 +2062,7 @@
           <a:bodyPr/>
           <a:lstStyle/>
           <a:p>
-            <a:fld id="{62BB6F46-A2E2-4FB2-BB5A-E511A3313039}" type="datetimeFigureOut">
+            <a:fld id="{7D487622-2623-47AB-861C-28252C841DA5}" type="datetimeFigureOut">
               <a:rPr lang="zh-CN" altLang="en-US" smtClean="0"/>
               <a:t>2024/3/10</a:t>
             </a:fld>
@@ -2075,7 +2075,7 @@
           <p:cNvPr id="3" name="页脚占位符 2">
             <a:extLst>
               <a:ext uri="{FF2B5EF4-FFF2-40B4-BE49-F238E27FC236}">
-                <a16:creationId xmlns:a16="http://schemas.microsoft.com/office/drawing/2014/main" id="{71B2654D-3572-593C-4772-CE77A5E0BEF8}"/>
+                <a16:creationId xmlns:a16="http://schemas.microsoft.com/office/drawing/2014/main" id="{57766049-E8E2-3627-B304-DCF13144DA5E}"/>
               </a:ext>
             </a:extLst>
           </p:cNvPr>
@@ -2100,7 +2100,7 @@
           <p:cNvPr id="4" name="灯片编号占位符 3">
             <a:extLst>
               <a:ext uri="{FF2B5EF4-FFF2-40B4-BE49-F238E27FC236}">
-                <a16:creationId xmlns:a16="http://schemas.microsoft.com/office/drawing/2014/main" id="{7D58A74D-49FF-8249-01D2-A3C49C530962}"/>
+                <a16:creationId xmlns:a16="http://schemas.microsoft.com/office/drawing/2014/main" id="{59DCE7C7-9345-C450-B41F-1884B9290B24}"/>
               </a:ext>
             </a:extLst>
           </p:cNvPr>
@@ -2116,7 +2116,7 @@
           <a:bodyPr/>
           <a:lstStyle/>
           <a:p>
-            <a:fld id="{8F88DA77-6357-47AB-8181-9E5346EC6D0A}" type="slidenum">
+            <a:fld id="{07E352FB-76AA-442B-8B3F-5C57BB1F3A84}" type="slidenum">
               <a:rPr lang="zh-CN" altLang="en-US" smtClean="0"/>
               <a:t>‹#›</a:t>
             </a:fld>
@@ -2127,7 +2127,7 @@
     </p:spTree>
     <p:extLst>
       <p:ext uri="{BB962C8B-B14F-4D97-AF65-F5344CB8AC3E}">
-        <p14:creationId xmlns:p14="http://schemas.microsoft.com/office/powerpoint/2010/main" val="604245773"/>
+        <p14:creationId xmlns:p14="http://schemas.microsoft.com/office/powerpoint/2010/main" val="3518569606"/>
       </p:ext>
     </p:extLst>
   </p:cSld>
@@ -2159,7 +2159,7 @@
           <p:cNvPr id="2" name="标题 1">
             <a:extLst>
               <a:ext uri="{FF2B5EF4-FFF2-40B4-BE49-F238E27FC236}">
-                <a16:creationId xmlns:a16="http://schemas.microsoft.com/office/drawing/2014/main" id="{C631B32E-9CDA-9159-F332-1C941E7A0A8E}"/>
+                <a16:creationId xmlns:a16="http://schemas.microsoft.com/office/drawing/2014/main" id="{CCB2682F-A0F6-635E-8EFA-9CF0B8D31956}"/>
               </a:ext>
             </a:extLst>
           </p:cNvPr>
@@ -2196,7 +2196,7 @@
           <p:cNvPr id="3" name="内容占位符 2">
             <a:extLst>
               <a:ext uri="{FF2B5EF4-FFF2-40B4-BE49-F238E27FC236}">
-                <a16:creationId xmlns:a16="http://schemas.microsoft.com/office/drawing/2014/main" id="{7D4D5DE1-BE08-A6F0-05BD-86B73B6AECF9}"/>
+                <a16:creationId xmlns:a16="http://schemas.microsoft.com/office/drawing/2014/main" id="{E31C7A7D-7AD2-F1CA-4B53-54FD4A870A2E}"/>
               </a:ext>
             </a:extLst>
           </p:cNvPr>
@@ -2286,7 +2286,7 @@
           <p:cNvPr id="4" name="文本占位符 3">
             <a:extLst>
               <a:ext uri="{FF2B5EF4-FFF2-40B4-BE49-F238E27FC236}">
-                <a16:creationId xmlns:a16="http://schemas.microsoft.com/office/drawing/2014/main" id="{6C5BBCBF-82D3-4771-81E1-4F20009F6E07}"/>
+                <a16:creationId xmlns:a16="http://schemas.microsoft.com/office/drawing/2014/main" id="{16D688B2-1E0E-A51B-843E-92D94C281661}"/>
               </a:ext>
             </a:extLst>
           </p:cNvPr>
@@ -2357,7 +2357,7 @@
           <p:cNvPr id="5" name="日期占位符 4">
             <a:extLst>
               <a:ext uri="{FF2B5EF4-FFF2-40B4-BE49-F238E27FC236}">
-                <a16:creationId xmlns:a16="http://schemas.microsoft.com/office/drawing/2014/main" id="{D80CB5A3-84AC-5217-680E-A56EB60EDD49}"/>
+                <a16:creationId xmlns:a16="http://schemas.microsoft.com/office/drawing/2014/main" id="{1664C2A1-A711-0987-F0DD-F270D7042761}"/>
               </a:ext>
             </a:extLst>
           </p:cNvPr>
@@ -2373,7 +2373,7 @@
           <a:bodyPr/>
           <a:lstStyle/>
           <a:p>
-            <a:fld id="{62BB6F46-A2E2-4FB2-BB5A-E511A3313039}" type="datetimeFigureOut">
+            <a:fld id="{7D487622-2623-47AB-861C-28252C841DA5}" type="datetimeFigureOut">
               <a:rPr lang="zh-CN" altLang="en-US" smtClean="0"/>
               <a:t>2024/3/10</a:t>
             </a:fld>
@@ -2386,7 +2386,7 @@
           <p:cNvPr id="6" name="页脚占位符 5">
             <a:extLst>
               <a:ext uri="{FF2B5EF4-FFF2-40B4-BE49-F238E27FC236}">
-                <a16:creationId xmlns:a16="http://schemas.microsoft.com/office/drawing/2014/main" id="{A0E280F1-77B4-E41C-60CB-7E8E37049614}"/>
+                <a16:creationId xmlns:a16="http://schemas.microsoft.com/office/drawing/2014/main" id="{4111E6A2-5996-F9E7-6206-02C5C73C0198}"/>
               </a:ext>
             </a:extLst>
           </p:cNvPr>
@@ -2411,7 +2411,7 @@
           <p:cNvPr id="7" name="灯片编号占位符 6">
             <a:extLst>
               <a:ext uri="{FF2B5EF4-FFF2-40B4-BE49-F238E27FC236}">
-                <a16:creationId xmlns:a16="http://schemas.microsoft.com/office/drawing/2014/main" id="{A9DE1944-967F-5A1A-9304-3C26E62CD874}"/>
+                <a16:creationId xmlns:a16="http://schemas.microsoft.com/office/drawing/2014/main" id="{A4E4064B-BC5A-3B2D-815A-928363FEE48D}"/>
               </a:ext>
             </a:extLst>
           </p:cNvPr>
@@ -2427,7 +2427,7 @@
           <a:bodyPr/>
           <a:lstStyle/>
           <a:p>
-            <a:fld id="{8F88DA77-6357-47AB-8181-9E5346EC6D0A}" type="slidenum">
+            <a:fld id="{07E352FB-76AA-442B-8B3F-5C57BB1F3A84}" type="slidenum">
               <a:rPr lang="zh-CN" altLang="en-US" smtClean="0"/>
               <a:t>‹#›</a:t>
             </a:fld>
@@ -2438,7 +2438,7 @@
     </p:spTree>
     <p:extLst>
       <p:ext uri="{BB962C8B-B14F-4D97-AF65-F5344CB8AC3E}">
-        <p14:creationId xmlns:p14="http://schemas.microsoft.com/office/powerpoint/2010/main" val="1321406611"/>
+        <p14:creationId xmlns:p14="http://schemas.microsoft.com/office/powerpoint/2010/main" val="3512292410"/>
       </p:ext>
     </p:extLst>
   </p:cSld>
@@ -2470,7 +2470,7 @@
           <p:cNvPr id="2" name="标题 1">
             <a:extLst>
               <a:ext uri="{FF2B5EF4-FFF2-40B4-BE49-F238E27FC236}">
-                <a16:creationId xmlns:a16="http://schemas.microsoft.com/office/drawing/2014/main" id="{B4226E6C-1B28-4BDA-2D20-8F223C2AF6B7}"/>
+                <a16:creationId xmlns:a16="http://schemas.microsoft.com/office/drawing/2014/main" id="{A18B7A69-4E72-C46E-BD78-39E6288DAD93}"/>
               </a:ext>
             </a:extLst>
           </p:cNvPr>
@@ -2507,7 +2507,7 @@
           <p:cNvPr id="3" name="图片占位符 2">
             <a:extLst>
               <a:ext uri="{FF2B5EF4-FFF2-40B4-BE49-F238E27FC236}">
-                <a16:creationId xmlns:a16="http://schemas.microsoft.com/office/drawing/2014/main" id="{5DF48934-8A87-3A6C-C75A-8A544772FF62}"/>
+                <a16:creationId xmlns:a16="http://schemas.microsoft.com/office/drawing/2014/main" id="{14C949F7-EFFB-7C83-1F35-AE2888346E79}"/>
               </a:ext>
             </a:extLst>
           </p:cNvPr>
@@ -2574,7 +2574,7 @@
           <p:cNvPr id="4" name="文本占位符 3">
             <a:extLst>
               <a:ext uri="{FF2B5EF4-FFF2-40B4-BE49-F238E27FC236}">
-                <a16:creationId xmlns:a16="http://schemas.microsoft.com/office/drawing/2014/main" id="{90DC0E57-DEBA-06F6-2E33-2BCBBE1ABAFE}"/>
+                <a16:creationId xmlns:a16="http://schemas.microsoft.com/office/drawing/2014/main" id="{7DA9A66E-38EB-15F9-43E2-6D3305AF1BBC}"/>
               </a:ext>
             </a:extLst>
           </p:cNvPr>
@@ -2645,7 +2645,7 @@
           <p:cNvPr id="5" name="日期占位符 4">
             <a:extLst>
               <a:ext uri="{FF2B5EF4-FFF2-40B4-BE49-F238E27FC236}">
-                <a16:creationId xmlns:a16="http://schemas.microsoft.com/office/drawing/2014/main" id="{49B8772A-49C0-D5C8-540B-9D8095DA41E2}"/>
+                <a16:creationId xmlns:a16="http://schemas.microsoft.com/office/drawing/2014/main" id="{AFB2102A-77D5-2961-1D8C-055401B4171C}"/>
               </a:ext>
             </a:extLst>
           </p:cNvPr>
@@ -2661,7 +2661,7 @@
           <a:bodyPr/>
           <a:lstStyle/>
           <a:p>
-            <a:fld id="{62BB6F46-A2E2-4FB2-BB5A-E511A3313039}" type="datetimeFigureOut">
+            <a:fld id="{7D487622-2623-47AB-861C-28252C841DA5}" type="datetimeFigureOut">
               <a:rPr lang="zh-CN" altLang="en-US" smtClean="0"/>
               <a:t>2024/3/10</a:t>
             </a:fld>
@@ -2674,7 +2674,7 @@
           <p:cNvPr id="6" name="页脚占位符 5">
             <a:extLst>
               <a:ext uri="{FF2B5EF4-FFF2-40B4-BE49-F238E27FC236}">
-                <a16:creationId xmlns:a16="http://schemas.microsoft.com/office/drawing/2014/main" id="{40580597-0705-13BC-3323-BB42886B9BCC}"/>
+                <a16:creationId xmlns:a16="http://schemas.microsoft.com/office/drawing/2014/main" id="{C8414D7D-1D30-75E6-115E-03236984C135}"/>
               </a:ext>
             </a:extLst>
           </p:cNvPr>
@@ -2699,7 +2699,7 @@
           <p:cNvPr id="7" name="灯片编号占位符 6">
             <a:extLst>
               <a:ext uri="{FF2B5EF4-FFF2-40B4-BE49-F238E27FC236}">
-                <a16:creationId xmlns:a16="http://schemas.microsoft.com/office/drawing/2014/main" id="{C7B62409-7E17-AC55-3C07-61944EDDA4CC}"/>
+                <a16:creationId xmlns:a16="http://schemas.microsoft.com/office/drawing/2014/main" id="{8D7CA778-09B0-DBFE-D6E0-36EFF915EEBB}"/>
               </a:ext>
             </a:extLst>
           </p:cNvPr>
@@ -2715,7 +2715,7 @@
           <a:bodyPr/>
           <a:lstStyle/>
           <a:p>
-            <a:fld id="{8F88DA77-6357-47AB-8181-9E5346EC6D0A}" type="slidenum">
+            <a:fld id="{07E352FB-76AA-442B-8B3F-5C57BB1F3A84}" type="slidenum">
               <a:rPr lang="zh-CN" altLang="en-US" smtClean="0"/>
               <a:t>‹#›</a:t>
             </a:fld>
@@ -2726,7 +2726,7 @@
     </p:spTree>
     <p:extLst>
       <p:ext uri="{BB962C8B-B14F-4D97-AF65-F5344CB8AC3E}">
-        <p14:creationId xmlns:p14="http://schemas.microsoft.com/office/powerpoint/2010/main" val="90365420"/>
+        <p14:creationId xmlns:p14="http://schemas.microsoft.com/office/powerpoint/2010/main" val="1164614382"/>
       </p:ext>
     </p:extLst>
   </p:cSld>
@@ -2763,7 +2763,7 @@
           <p:cNvPr id="2" name="标题占位符 1">
             <a:extLst>
               <a:ext uri="{FF2B5EF4-FFF2-40B4-BE49-F238E27FC236}">
-                <a16:creationId xmlns:a16="http://schemas.microsoft.com/office/drawing/2014/main" id="{DB2E5216-1D30-6008-E6B9-D15360D2128C}"/>
+                <a16:creationId xmlns:a16="http://schemas.microsoft.com/office/drawing/2014/main" id="{4979FCB4-44F9-9330-4739-D1831A3006EE}"/>
               </a:ext>
             </a:extLst>
           </p:cNvPr>
@@ -2801,7 +2801,7 @@
           <p:cNvPr id="3" name="文本占位符 2">
             <a:extLst>
               <a:ext uri="{FF2B5EF4-FFF2-40B4-BE49-F238E27FC236}">
-                <a16:creationId xmlns:a16="http://schemas.microsoft.com/office/drawing/2014/main" id="{954049BD-4643-4DDA-E46F-095535DE31E4}"/>
+                <a16:creationId xmlns:a16="http://schemas.microsoft.com/office/drawing/2014/main" id="{A2808509-EC41-42D9-C3DE-FEF0F285063F}"/>
               </a:ext>
             </a:extLst>
           </p:cNvPr>
@@ -2868,7 +2868,7 @@
           <p:cNvPr id="4" name="日期占位符 3">
             <a:extLst>
               <a:ext uri="{FF2B5EF4-FFF2-40B4-BE49-F238E27FC236}">
-                <a16:creationId xmlns:a16="http://schemas.microsoft.com/office/drawing/2014/main" id="{AF481BC8-CEC5-D444-1CDD-D504E3D8CC04}"/>
+                <a16:creationId xmlns:a16="http://schemas.microsoft.com/office/drawing/2014/main" id="{2294C0FB-729B-6DC6-DC60-622302B037D4}"/>
               </a:ext>
             </a:extLst>
           </p:cNvPr>
@@ -2902,7 +2902,7 @@
             </a:lvl1pPr>
           </a:lstStyle>
           <a:p>
-            <a:fld id="{62BB6F46-A2E2-4FB2-BB5A-E511A3313039}" type="datetimeFigureOut">
+            <a:fld id="{7D487622-2623-47AB-861C-28252C841DA5}" type="datetimeFigureOut">
               <a:rPr lang="zh-CN" altLang="en-US" smtClean="0"/>
               <a:t>2024/3/10</a:t>
             </a:fld>
@@ -2915,7 +2915,7 @@
           <p:cNvPr id="5" name="页脚占位符 4">
             <a:extLst>
               <a:ext uri="{FF2B5EF4-FFF2-40B4-BE49-F238E27FC236}">
-                <a16:creationId xmlns:a16="http://schemas.microsoft.com/office/drawing/2014/main" id="{A8E87096-39AD-14C5-FB74-94DC9E2A674E}"/>
+                <a16:creationId xmlns:a16="http://schemas.microsoft.com/office/drawing/2014/main" id="{C16AF808-43D2-F86C-AC68-41EEFEE892B9}"/>
               </a:ext>
             </a:extLst>
           </p:cNvPr>
@@ -2958,7 +2958,7 @@
           <p:cNvPr id="6" name="灯片编号占位符 5">
             <a:extLst>
               <a:ext uri="{FF2B5EF4-FFF2-40B4-BE49-F238E27FC236}">
-                <a16:creationId xmlns:a16="http://schemas.microsoft.com/office/drawing/2014/main" id="{FC667CD3-BF46-9F95-1EE8-AF2C35EF4E8A}"/>
+                <a16:creationId xmlns:a16="http://schemas.microsoft.com/office/drawing/2014/main" id="{358DFAAA-3541-7E6C-0888-E1A00BD5475C}"/>
               </a:ext>
             </a:extLst>
           </p:cNvPr>
@@ -2992,7 +2992,7 @@
             </a:lvl1pPr>
           </a:lstStyle>
           <a:p>
-            <a:fld id="{8F88DA77-6357-47AB-8181-9E5346EC6D0A}" type="slidenum">
+            <a:fld id="{07E352FB-76AA-442B-8B3F-5C57BB1F3A84}" type="slidenum">
               <a:rPr lang="zh-CN" altLang="en-US" smtClean="0"/>
               <a:t>‹#›</a:t>
             </a:fld>
@@ -3003,7 +3003,7 @@
     </p:spTree>
     <p:extLst>
       <p:ext uri="{BB962C8B-B14F-4D97-AF65-F5344CB8AC3E}">
-        <p14:creationId xmlns:p14="http://schemas.microsoft.com/office/powerpoint/2010/main" val="4098456477"/>
+        <p14:creationId xmlns:p14="http://schemas.microsoft.com/office/powerpoint/2010/main" val="1211777527"/>
       </p:ext>
     </p:extLst>
   </p:cSld>
@@ -3323,7 +3323,7 @@
       </p:grpSpPr>
       <p:pic>
         <p:nvPicPr>
-          <p:cNvPr id="1122306" name="Picture 2" descr="1095"/>
+          <p:cNvPr id="1123330" name="Picture 2" descr="1096"/>
           <p:cNvPicPr>
             <a:picLocks noChangeAspect="1" noChangeArrowheads="1"/>
           </p:cNvPicPr>
@@ -3344,8 +3344,8 @@
         </p:blipFill>
         <p:spPr bwMode="auto">
           <a:xfrm>
-            <a:off x="1524000" y="1"/>
-            <a:ext cx="9055100" cy="6791325"/>
+            <a:off x="1524001" y="0"/>
+            <a:ext cx="9053513" cy="6789738"/>
           </a:xfrm>
           <a:prstGeom prst="rect">
             <a:avLst/>
@@ -3375,158 +3375,11 @@
           </a:extLst>
         </p:spPr>
       </p:pic>
-      <p:pic>
-        <p:nvPicPr>
-          <p:cNvPr id="1123331" name="Picture 3" descr="1095-2"/>
-          <p:cNvPicPr>
-            <a:picLocks noChangeAspect="1" noChangeArrowheads="1"/>
-          </p:cNvPicPr>
-          <p:nvPr/>
-        </p:nvPicPr>
-        <p:blipFill>
-          <a:blip r:embed="rId3">
-            <a:extLst>
-              <a:ext uri="{28A0092B-C50C-407E-A947-70E740481C1C}">
-                <a14:useLocalDpi xmlns:a14="http://schemas.microsoft.com/office/drawing/2010/main" val="0"/>
-              </a:ext>
-            </a:extLst>
-          </a:blip>
-          <a:srcRect/>
-          <a:stretch>
-            <a:fillRect/>
-          </a:stretch>
-        </p:blipFill>
-        <p:spPr bwMode="auto">
-          <a:xfrm>
-            <a:off x="1524000" y="0"/>
-            <a:ext cx="9124950" cy="6845300"/>
-          </a:xfrm>
-          <a:prstGeom prst="rect">
-            <a:avLst/>
-          </a:prstGeom>
-          <a:noFill/>
-          <a:ln>
-            <a:noFill/>
-          </a:ln>
-          <a:effectLst/>
-          <a:extLst>
-            <a:ext uri="{909E8E84-426E-40DD-AFC4-6F175D3DCCD1}">
-              <a14:hiddenFill xmlns:a14="http://schemas.microsoft.com/office/drawing/2010/main">
-                <a:solidFill>
-                  <a:srgbClr val="FFFFFF"/>
-                </a:solidFill>
-              </a14:hiddenFill>
-            </a:ext>
-            <a:ext uri="{91240B29-F687-4F45-9708-019B960494DF}">
-              <a14:hiddenLine xmlns:a14="http://schemas.microsoft.com/office/drawing/2010/main" w="9525">
-                <a:solidFill>
-                  <a:srgbClr val="000000"/>
-                </a:solidFill>
-                <a:miter lim="800000"/>
-                <a:headEnd/>
-                <a:tailEnd/>
-              </a14:hiddenLine>
-            </a:ext>
-            <a:ext uri="{AF507438-7753-43E0-B8FC-AC1667EBCBE1}">
-              <a14:hiddenEffects xmlns:a14="http://schemas.microsoft.com/office/drawing/2010/main">
-                <a:effectLst>
-                  <a:outerShdw dist="35921" dir="2700000" algn="ctr" rotWithShape="0">
-                    <a:srgbClr val="808080"/>
-                  </a:outerShdw>
-                </a:effectLst>
-              </a14:hiddenEffects>
-            </a:ext>
-          </a:extLst>
-        </p:spPr>
-      </p:pic>
     </p:spTree>
   </p:cSld>
   <p:clrMapOvr>
     <a:masterClrMapping/>
   </p:clrMapOvr>
-  <p:timing>
-    <p:tnLst>
-      <p:par>
-        <p:cTn id="1" dur="indefinite" restart="never" nodeType="tmRoot">
-          <p:childTnLst>
-            <p:seq concurrent="1" nextAc="seek">
-              <p:cTn id="2" dur="indefinite" nodeType="mainSeq">
-                <p:childTnLst>
-                  <p:par>
-                    <p:cTn id="3" fill="hold" nodeType="clickPar">
-                      <p:stCondLst>
-                        <p:cond delay="indefinite"/>
-                      </p:stCondLst>
-                      <p:childTnLst>
-                        <p:par>
-                          <p:cTn id="4" fill="hold" nodeType="withGroup">
-                            <p:stCondLst>
-                              <p:cond delay="0"/>
-                            </p:stCondLst>
-                            <p:childTnLst>
-                              <p:par>
-                                <p:cTn id="5" presetID="10" presetClass="entr" presetSubtype="0" fill="hold" nodeType="clickEffect">
-                                  <p:stCondLst>
-                                    <p:cond delay="0"/>
-                                  </p:stCondLst>
-                                  <p:childTnLst>
-                                    <p:set>
-                                      <p:cBhvr>
-                                        <p:cTn id="6" dur="1" fill="hold">
-                                          <p:stCondLst>
-                                            <p:cond delay="0"/>
-                                          </p:stCondLst>
-                                        </p:cTn>
-                                        <p:tgtEl>
-                                          <p:spTgt spid="1123331"/>
-                                        </p:tgtEl>
-                                        <p:attrNameLst>
-                                          <p:attrName>style.visibility</p:attrName>
-                                        </p:attrNameLst>
-                                      </p:cBhvr>
-                                      <p:to>
-                                        <p:strVal val="visible"/>
-                                      </p:to>
-                                    </p:set>
-                                    <p:animEffect transition="in" filter="fade">
-                                      <p:cBhvr>
-                                        <p:cTn id="7" dur="500"/>
-                                        <p:tgtEl>
-                                          <p:spTgt spid="1123331"/>
-                                        </p:tgtEl>
-                                      </p:cBhvr>
-                                    </p:animEffect>
-                                  </p:childTnLst>
-                                </p:cTn>
-                              </p:par>
-                            </p:childTnLst>
-                          </p:cTn>
-                        </p:par>
-                      </p:childTnLst>
-                    </p:cTn>
-                  </p:par>
-                </p:childTnLst>
-              </p:cTn>
-              <p:prevCondLst>
-                <p:cond evt="onPrev" delay="0">
-                  <p:tgtEl>
-                    <p:sldTgt/>
-                  </p:tgtEl>
-                </p:cond>
-              </p:prevCondLst>
-              <p:nextCondLst>
-                <p:cond evt="onNext" delay="0">
-                  <p:tgtEl>
-                    <p:sldTgt/>
-                  </p:tgtEl>
-                </p:cond>
-              </p:nextCondLst>
-            </p:seq>
-          </p:childTnLst>
-        </p:cTn>
-      </p:par>
-    </p:tnLst>
-  </p:timing>
 </p:sld>
 </file>
 
